--- a/Post Graduation Problem.pptx
+++ b/Post Graduation Problem.pptx
@@ -6,7 +6,7 @@
     <p:sldMasterId id="2147483676" r:id="rId2"/>
   </p:sldMasterIdLst>
   <p:notesMasterIdLst>
-    <p:notesMasterId r:id="rId26"/>
+    <p:notesMasterId r:id="rId28"/>
   </p:notesMasterIdLst>
   <p:sldIdLst>
     <p:sldId id="256" r:id="rId3"/>
@@ -32,9 +32,11 @@
     <p:sldId id="278" r:id="rId23"/>
     <p:sldId id="260" r:id="rId24"/>
     <p:sldId id="273" r:id="rId25"/>
+    <p:sldId id="280" r:id="rId26"/>
+    <p:sldId id="279" r:id="rId27"/>
   </p:sldIdLst>
   <p:sldSz cx="12192000" cy="6858000"/>
-  <p:notesSz cx="6858000" cy="9144000"/>
+  <p:notesSz cx="7102475" cy="9388475"/>
   <p:defaultTextStyle>
     <a:defPPr>
       <a:defRPr lang="en-US"/>
@@ -208,14 +210,14 @@
         <p:spPr>
           <a:xfrm>
             <a:off x="0" y="0"/>
-            <a:ext cx="2971800" cy="458788"/>
+            <a:ext cx="3077739" cy="471054"/>
           </a:xfrm>
           <a:prstGeom prst="rect">
             <a:avLst/>
           </a:prstGeom>
         </p:spPr>
         <p:txBody>
-          <a:bodyPr vert="horz" lIns="91440" tIns="45720" rIns="91440" bIns="45720" rtlCol="0"/>
+          <a:bodyPr vert="horz" lIns="94229" tIns="47114" rIns="94229" bIns="47114" rtlCol="0"/>
           <a:lstStyle>
             <a:lvl1pPr algn="l">
               <a:defRPr sz="1200"/>
@@ -238,15 +240,15 @@
         </p:nvSpPr>
         <p:spPr>
           <a:xfrm>
-            <a:off x="3884613" y="0"/>
-            <a:ext cx="2971800" cy="458788"/>
+            <a:off x="4023092" y="0"/>
+            <a:ext cx="3077739" cy="471054"/>
           </a:xfrm>
           <a:prstGeom prst="rect">
             <a:avLst/>
           </a:prstGeom>
         </p:spPr>
         <p:txBody>
-          <a:bodyPr vert="horz" lIns="91440" tIns="45720" rIns="91440" bIns="45720" rtlCol="0"/>
+          <a:bodyPr vert="horz" lIns="94229" tIns="47114" rIns="94229" bIns="47114" rtlCol="0"/>
           <a:lstStyle>
             <a:lvl1pPr algn="r">
               <a:defRPr sz="1200"/>
@@ -255,7 +257,7 @@
           <a:p>
             <a:fld id="{18E345B4-68A6-4666-9AE7-98631E0EEB0C}" type="datetimeFigureOut">
               <a:rPr lang="en-US" smtClean="0"/>
-              <a:t>2/28/2023</a:t>
+              <a:t>3/1/2023</a:t>
             </a:fld>
             <a:endParaRPr lang="en-US"/>
           </a:p>
@@ -273,8 +275,8 @@
         </p:nvSpPr>
         <p:spPr>
           <a:xfrm>
-            <a:off x="685800" y="1143000"/>
-            <a:ext cx="5486400" cy="3086100"/>
+            <a:off x="735013" y="1173163"/>
+            <a:ext cx="5632450" cy="3168650"/>
           </a:xfrm>
           <a:prstGeom prst="rect">
             <a:avLst/>
@@ -287,7 +289,7 @@
           </a:ln>
         </p:spPr>
         <p:txBody>
-          <a:bodyPr vert="horz" lIns="91440" tIns="45720" rIns="91440" bIns="45720" rtlCol="0" anchor="ctr"/>
+          <a:bodyPr vert="horz" lIns="94229" tIns="47114" rIns="94229" bIns="47114" rtlCol="0" anchor="ctr"/>
           <a:lstStyle/>
           <a:p>
             <a:endParaRPr lang="en-US"/>
@@ -306,15 +308,15 @@
         </p:nvSpPr>
         <p:spPr>
           <a:xfrm>
-            <a:off x="685800" y="4400550"/>
-            <a:ext cx="5486400" cy="3600450"/>
+            <a:off x="710248" y="4518204"/>
+            <a:ext cx="5681980" cy="3696712"/>
           </a:xfrm>
           <a:prstGeom prst="rect">
             <a:avLst/>
           </a:prstGeom>
         </p:spPr>
         <p:txBody>
-          <a:bodyPr vert="horz" lIns="91440" tIns="45720" rIns="91440" bIns="45720" rtlCol="0"/>
+          <a:bodyPr vert="horz" lIns="94229" tIns="47114" rIns="94229" bIns="47114" rtlCol="0"/>
           <a:lstStyle/>
           <a:p>
             <a:pPr lvl="0"/>
@@ -365,15 +367,15 @@
         </p:nvSpPr>
         <p:spPr>
           <a:xfrm>
-            <a:off x="0" y="8685213"/>
-            <a:ext cx="2971800" cy="458787"/>
+            <a:off x="0" y="8917422"/>
+            <a:ext cx="3077739" cy="471053"/>
           </a:xfrm>
           <a:prstGeom prst="rect">
             <a:avLst/>
           </a:prstGeom>
         </p:spPr>
         <p:txBody>
-          <a:bodyPr vert="horz" lIns="91440" tIns="45720" rIns="91440" bIns="45720" rtlCol="0" anchor="b"/>
+          <a:bodyPr vert="horz" lIns="94229" tIns="47114" rIns="94229" bIns="47114" rtlCol="0" anchor="b"/>
           <a:lstStyle>
             <a:lvl1pPr algn="l">
               <a:defRPr sz="1200"/>
@@ -396,15 +398,15 @@
         </p:nvSpPr>
         <p:spPr>
           <a:xfrm>
-            <a:off x="3884613" y="8685213"/>
-            <a:ext cx="2971800" cy="458787"/>
+            <a:off x="4023092" y="8917422"/>
+            <a:ext cx="3077739" cy="471053"/>
           </a:xfrm>
           <a:prstGeom prst="rect">
             <a:avLst/>
           </a:prstGeom>
         </p:spPr>
         <p:txBody>
-          <a:bodyPr vert="horz" lIns="91440" tIns="45720" rIns="91440" bIns="45720" rtlCol="0" anchor="b"/>
+          <a:bodyPr vert="horz" lIns="94229" tIns="47114" rIns="94229" bIns="47114" rtlCol="0" anchor="b"/>
           <a:lstStyle>
             <a:lvl1pPr algn="r">
               <a:defRPr sz="1200"/>
@@ -551,27 +553,23 @@
         </p:nvSpPr>
         <p:spPr>
           <a:xfrm>
-            <a:off x="945309" y="4128013"/>
-            <a:ext cx="5195983" cy="3908169"/>
+            <a:off x="979008" y="4238381"/>
+            <a:ext cx="5381210" cy="4012658"/>
           </a:xfrm>
           <a:prstGeom prst="rect">
             <a:avLst/>
           </a:prstGeom>
         </p:spPr>
         <p:txBody>
-          <a:bodyPr spcFirstLastPara="1" wrap="square" lIns="89200" tIns="44575" rIns="89200" bIns="44575" anchor="t" anchorCtr="0">
+          <a:bodyPr spcFirstLastPara="1" wrap="square" lIns="91921" tIns="45935" rIns="91921" bIns="45935" anchor="t" anchorCtr="0">
             <a:noAutofit/>
           </a:bodyPr>
           <a:lstStyle/>
           <a:p>
-            <a:pPr marL="0" lvl="0" indent="0" algn="l" rtl="0">
+            <a:pPr>
               <a:spcBef>
-                <a:spcPts val="360"/>
+                <a:spcPts val="371"/>
               </a:spcBef>
-              <a:spcAft>
-                <a:spcPts val="0"/>
-              </a:spcAft>
-              <a:buNone/>
             </a:pPr>
             <a:endParaRPr/>
           </a:p>
@@ -589,8 +587,8 @@
         </p:nvSpPr>
         <p:spPr>
           <a:xfrm>
-            <a:off x="654050" y="650875"/>
-            <a:ext cx="5797550" cy="3260725"/>
+            <a:off x="703263" y="668338"/>
+            <a:ext cx="5953125" cy="3348037"/>
           </a:xfrm>
           <a:custGeom>
             <a:avLst/>
@@ -655,27 +653,23 @@
         </p:nvSpPr>
         <p:spPr>
           <a:xfrm>
-            <a:off x="945309" y="4128013"/>
-            <a:ext cx="5195983" cy="3908169"/>
+            <a:off x="979008" y="4238381"/>
+            <a:ext cx="5381210" cy="4012658"/>
           </a:xfrm>
           <a:prstGeom prst="rect">
             <a:avLst/>
           </a:prstGeom>
         </p:spPr>
         <p:txBody>
-          <a:bodyPr spcFirstLastPara="1" wrap="square" lIns="89200" tIns="44575" rIns="89200" bIns="44575" anchor="t" anchorCtr="0">
+          <a:bodyPr spcFirstLastPara="1" wrap="square" lIns="91921" tIns="45935" rIns="91921" bIns="45935" anchor="t" anchorCtr="0">
             <a:noAutofit/>
           </a:bodyPr>
           <a:lstStyle/>
           <a:p>
-            <a:pPr marL="0" lvl="0" indent="0" algn="l" rtl="0">
+            <a:pPr>
               <a:spcBef>
-                <a:spcPts val="360"/>
+                <a:spcPts val="371"/>
               </a:spcBef>
-              <a:spcAft>
-                <a:spcPts val="0"/>
-              </a:spcAft>
-              <a:buNone/>
             </a:pPr>
             <a:endParaRPr/>
           </a:p>
@@ -693,8 +687,8 @@
         </p:nvSpPr>
         <p:spPr>
           <a:xfrm>
-            <a:off x="654050" y="650875"/>
-            <a:ext cx="5797550" cy="3260725"/>
+            <a:off x="703263" y="668338"/>
+            <a:ext cx="5953125" cy="3348037"/>
           </a:xfrm>
           <a:custGeom>
             <a:avLst/>
@@ -759,8 +753,8 @@
         </p:nvSpPr>
         <p:spPr>
           <a:xfrm>
-            <a:off x="654050" y="650875"/>
-            <a:ext cx="5797500" cy="3260700"/>
+            <a:off x="703263" y="668338"/>
+            <a:ext cx="5953125" cy="3348037"/>
           </a:xfrm>
           <a:custGeom>
             <a:avLst/>
@@ -810,8 +804,8 @@
         </p:nvSpPr>
         <p:spPr>
           <a:xfrm>
-            <a:off x="945309" y="4128013"/>
-            <a:ext cx="5196000" cy="3908100"/>
+            <a:off x="979007" y="4238380"/>
+            <a:ext cx="5381228" cy="4012587"/>
           </a:xfrm>
           <a:prstGeom prst="rect">
             <a:avLst/>
@@ -822,15 +816,48 @@
           </a:ln>
         </p:spPr>
         <p:txBody>
-          <a:bodyPr spcFirstLastPara="1" wrap="square" lIns="89200" tIns="44575" rIns="89200" bIns="44575" anchor="t" anchorCtr="0">
+          <a:bodyPr spcFirstLastPara="1" wrap="square" lIns="91921" tIns="45935" rIns="91921" bIns="45935" anchor="t" anchorCtr="0">
             <a:noAutofit/>
           </a:bodyPr>
           <a:lstStyle/>
           <a:p>
-            <a:pPr marL="0" lvl="0" indent="0" algn="l" rtl="0">
-              <a:lnSpc>
-                <a:spcPct val="100000"/>
-              </a:lnSpc>
+            <a:pPr>
+              <a:buSzPts val="1400"/>
+            </a:pPr>
+            <a:endParaRPr/>
+          </a:p>
+        </p:txBody>
+      </p:sp>
+      <p:sp>
+        <p:nvSpPr>
+          <p:cNvPr id="196" name="Google Shape;196;g1eb1834fa67_0_0:notes"/>
+          <p:cNvSpPr txBox="1">
+            <a:spLocks noGrp="1"/>
+          </p:cNvSpPr>
+          <p:nvPr>
+            <p:ph type="sldNum" idx="12"/>
+          </p:nvPr>
+        </p:nvSpPr>
+        <p:spPr>
+          <a:xfrm>
+            <a:off x="4159116" y="8473709"/>
+            <a:ext cx="3179958" cy="445398"/>
+          </a:xfrm>
+          <a:prstGeom prst="rect">
+            <a:avLst/>
+          </a:prstGeom>
+          <a:noFill/>
+          <a:ln>
+            <a:noFill/>
+          </a:ln>
+        </p:spPr>
+        <p:txBody>
+          <a:bodyPr spcFirstLastPara="1" wrap="square" lIns="91921" tIns="45935" rIns="91921" bIns="45935" anchor="b" anchorCtr="0">
+            <a:noAutofit/>
+          </a:bodyPr>
+          <a:lstStyle/>
+          <a:p>
+            <a:pPr>
               <a:spcBef>
                 <a:spcPts val="0"/>
               </a:spcBef>
@@ -840,54 +867,18 @@
               <a:buSzPts val="1400"/>
               <a:buNone/>
             </a:pPr>
-            <a:endParaRPr/>
-          </a:p>
-        </p:txBody>
-      </p:sp>
-      <p:sp>
-        <p:nvSpPr>
-          <p:cNvPr id="196" name="Google Shape;196;g1eb1834fa67_0_0:notes"/>
-          <p:cNvSpPr txBox="1">
-            <a:spLocks noGrp="1"/>
-          </p:cNvSpPr>
-          <p:nvPr>
-            <p:ph type="sldNum" idx="12"/>
-          </p:nvPr>
-        </p:nvSpPr>
-        <p:spPr>
-          <a:xfrm>
-            <a:off x="4015955" y="8253054"/>
-            <a:ext cx="3070500" cy="433800"/>
-          </a:xfrm>
-          <a:prstGeom prst="rect">
-            <a:avLst/>
-          </a:prstGeom>
-          <a:noFill/>
-          <a:ln>
-            <a:noFill/>
-          </a:ln>
-        </p:spPr>
-        <p:txBody>
-          <a:bodyPr spcFirstLastPara="1" wrap="square" lIns="89200" tIns="44575" rIns="89200" bIns="44575" anchor="b" anchorCtr="0">
-            <a:noAutofit/>
-          </a:bodyPr>
-          <a:lstStyle/>
-          <a:p>
-            <a:pPr marL="0" lvl="0" indent="0" algn="r" rtl="0">
-              <a:lnSpc>
-                <a:spcPct val="100000"/>
-              </a:lnSpc>
-              <a:spcBef>
-                <a:spcPts val="0"/>
-              </a:spcBef>
-              <a:spcAft>
-                <a:spcPts val="0"/>
-              </a:spcAft>
-              <a:buSzPts val="1400"/>
-              <a:buNone/>
-            </a:pPr>
             <a:fld id="{00000000-1234-1234-1234-123412341234}" type="slidenum">
               <a:rPr lang="en-US"/>
+              <a:pPr>
+                <a:spcBef>
+                  <a:spcPts val="0"/>
+                </a:spcBef>
+                <a:spcAft>
+                  <a:spcPts val="0"/>
+                </a:spcAft>
+                <a:buSzPts val="1400"/>
+                <a:buNone/>
+              </a:pPr>
               <a:t>6</a:t>
             </a:fld>
             <a:endParaRPr/>
@@ -931,8 +922,8 @@
         </p:nvSpPr>
         <p:spPr>
           <a:xfrm>
-            <a:off x="654050" y="650875"/>
-            <a:ext cx="5797550" cy="3260725"/>
+            <a:off x="703263" y="668338"/>
+            <a:ext cx="5953125" cy="3348037"/>
           </a:xfrm>
           <a:custGeom>
             <a:avLst/>
@@ -982,8 +973,8 @@
         </p:nvSpPr>
         <p:spPr>
           <a:xfrm>
-            <a:off x="945309" y="4128013"/>
-            <a:ext cx="5196000" cy="3908100"/>
+            <a:off x="979007" y="4238380"/>
+            <a:ext cx="5381228" cy="4012587"/>
           </a:xfrm>
           <a:prstGeom prst="rect">
             <a:avLst/>
@@ -994,15 +985,48 @@
           </a:ln>
         </p:spPr>
         <p:txBody>
-          <a:bodyPr spcFirstLastPara="1" wrap="square" lIns="89200" tIns="44575" rIns="89200" bIns="44575" anchor="t" anchorCtr="0">
+          <a:bodyPr spcFirstLastPara="1" wrap="square" lIns="91921" tIns="45935" rIns="91921" bIns="45935" anchor="t" anchorCtr="0">
             <a:noAutofit/>
           </a:bodyPr>
           <a:lstStyle/>
           <a:p>
-            <a:pPr marL="0" lvl="0" indent="0" algn="l" rtl="0">
-              <a:lnSpc>
-                <a:spcPct val="100000"/>
-              </a:lnSpc>
+            <a:pPr>
+              <a:buSzPts val="1400"/>
+            </a:pPr>
+            <a:endParaRPr/>
+          </a:p>
+        </p:txBody>
+      </p:sp>
+      <p:sp>
+        <p:nvSpPr>
+          <p:cNvPr id="204" name="Google Shape;204;g1fc0ecd54a9_1_112:notes"/>
+          <p:cNvSpPr txBox="1">
+            <a:spLocks noGrp="1"/>
+          </p:cNvSpPr>
+          <p:nvPr>
+            <p:ph type="sldNum" idx="12"/>
+          </p:nvPr>
+        </p:nvSpPr>
+        <p:spPr>
+          <a:xfrm>
+            <a:off x="4159116" y="8473709"/>
+            <a:ext cx="3179958" cy="445398"/>
+          </a:xfrm>
+          <a:prstGeom prst="rect">
+            <a:avLst/>
+          </a:prstGeom>
+          <a:noFill/>
+          <a:ln>
+            <a:noFill/>
+          </a:ln>
+        </p:spPr>
+        <p:txBody>
+          <a:bodyPr spcFirstLastPara="1" wrap="square" lIns="91921" tIns="45935" rIns="91921" bIns="45935" anchor="b" anchorCtr="0">
+            <a:noAutofit/>
+          </a:bodyPr>
+          <a:lstStyle/>
+          <a:p>
+            <a:pPr>
               <a:spcBef>
                 <a:spcPts val="0"/>
               </a:spcBef>
@@ -1012,54 +1036,18 @@
               <a:buSzPts val="1400"/>
               <a:buNone/>
             </a:pPr>
-            <a:endParaRPr/>
-          </a:p>
-        </p:txBody>
-      </p:sp>
-      <p:sp>
-        <p:nvSpPr>
-          <p:cNvPr id="204" name="Google Shape;204;g1fc0ecd54a9_1_112:notes"/>
-          <p:cNvSpPr txBox="1">
-            <a:spLocks noGrp="1"/>
-          </p:cNvSpPr>
-          <p:nvPr>
-            <p:ph type="sldNum" idx="12"/>
-          </p:nvPr>
-        </p:nvSpPr>
-        <p:spPr>
-          <a:xfrm>
-            <a:off x="4015955" y="8253054"/>
-            <a:ext cx="3070500" cy="433800"/>
-          </a:xfrm>
-          <a:prstGeom prst="rect">
-            <a:avLst/>
-          </a:prstGeom>
-          <a:noFill/>
-          <a:ln>
-            <a:noFill/>
-          </a:ln>
-        </p:spPr>
-        <p:txBody>
-          <a:bodyPr spcFirstLastPara="1" wrap="square" lIns="89200" tIns="44575" rIns="89200" bIns="44575" anchor="b" anchorCtr="0">
-            <a:noAutofit/>
-          </a:bodyPr>
-          <a:lstStyle/>
-          <a:p>
-            <a:pPr marL="0" lvl="0" indent="0" algn="r" rtl="0">
-              <a:lnSpc>
-                <a:spcPct val="100000"/>
-              </a:lnSpc>
-              <a:spcBef>
-                <a:spcPts val="0"/>
-              </a:spcBef>
-              <a:spcAft>
-                <a:spcPts val="0"/>
-              </a:spcAft>
-              <a:buSzPts val="1400"/>
-              <a:buNone/>
-            </a:pPr>
             <a:fld id="{00000000-1234-1234-1234-123412341234}" type="slidenum">
               <a:rPr lang="en-US"/>
+              <a:pPr>
+                <a:spcBef>
+                  <a:spcPts val="0"/>
+                </a:spcBef>
+                <a:spcAft>
+                  <a:spcPts val="0"/>
+                </a:spcAft>
+                <a:buSzPts val="1400"/>
+                <a:buNone/>
+              </a:pPr>
               <a:t>7</a:t>
             </a:fld>
             <a:endParaRPr/>
@@ -1103,8 +1091,8 @@
         </p:nvSpPr>
         <p:spPr>
           <a:xfrm>
-            <a:off x="654050" y="650875"/>
-            <a:ext cx="5797550" cy="3260725"/>
+            <a:off x="703263" y="668338"/>
+            <a:ext cx="5953125" cy="3348037"/>
           </a:xfrm>
           <a:custGeom>
             <a:avLst/>
@@ -1154,8 +1142,8 @@
         </p:nvSpPr>
         <p:spPr>
           <a:xfrm>
-            <a:off x="945309" y="4128013"/>
-            <a:ext cx="5196000" cy="3908100"/>
+            <a:off x="979007" y="4238380"/>
+            <a:ext cx="5381228" cy="4012587"/>
           </a:xfrm>
           <a:prstGeom prst="rect">
             <a:avLst/>
@@ -1166,23 +1154,16 @@
           </a:ln>
         </p:spPr>
         <p:txBody>
-          <a:bodyPr spcFirstLastPara="1" wrap="square" lIns="89200" tIns="44575" rIns="89200" bIns="44575" anchor="t" anchorCtr="0">
+          <a:bodyPr spcFirstLastPara="1" wrap="square" lIns="91921" tIns="45935" rIns="91921" bIns="45935" anchor="t" anchorCtr="0">
             <a:noAutofit/>
           </a:bodyPr>
           <a:lstStyle/>
           <a:p>
-            <a:pPr marL="0" lvl="0" indent="0" algn="l" rtl="0">
-              <a:lnSpc>
-                <a:spcPct val="100000"/>
-              </a:lnSpc>
+            <a:pPr>
               <a:spcBef>
-                <a:spcPts val="360"/>
+                <a:spcPts val="371"/>
               </a:spcBef>
-              <a:spcAft>
-                <a:spcPts val="0"/>
-              </a:spcAft>
               <a:buSzPts val="1400"/>
-              <a:buNone/>
             </a:pPr>
             <a:endParaRPr/>
           </a:p>
@@ -1200,8 +1181,8 @@
         </p:nvSpPr>
         <p:spPr>
           <a:xfrm>
-            <a:off x="4015955" y="8253054"/>
-            <a:ext cx="3070500" cy="433800"/>
+            <a:off x="4159116" y="8473709"/>
+            <a:ext cx="3179958" cy="445398"/>
           </a:xfrm>
           <a:prstGeom prst="rect">
             <a:avLst/>
@@ -1212,15 +1193,12 @@
           </a:ln>
         </p:spPr>
         <p:txBody>
-          <a:bodyPr spcFirstLastPara="1" wrap="square" lIns="89200" tIns="44575" rIns="89200" bIns="44575" anchor="b" anchorCtr="0">
+          <a:bodyPr spcFirstLastPara="1" wrap="square" lIns="91921" tIns="45935" rIns="91921" bIns="45935" anchor="b" anchorCtr="0">
             <a:noAutofit/>
           </a:bodyPr>
           <a:lstStyle/>
           <a:p>
-            <a:pPr marL="0" lvl="0" indent="0" algn="r" rtl="0">
-              <a:lnSpc>
-                <a:spcPct val="100000"/>
-              </a:lnSpc>
+            <a:pPr>
               <a:spcBef>
                 <a:spcPts val="0"/>
               </a:spcBef>
@@ -1231,11 +1209,23 @@
                 <a:srgbClr val="000000"/>
               </a:buClr>
               <a:buSzPts val="1400"/>
-              <a:buFont typeface="Arial"/>
               <a:buNone/>
             </a:pPr>
             <a:fld id="{00000000-1234-1234-1234-123412341234}" type="slidenum">
               <a:rPr lang="en-US"/>
+              <a:pPr>
+                <a:spcBef>
+                  <a:spcPts val="0"/>
+                </a:spcBef>
+                <a:spcAft>
+                  <a:spcPts val="0"/>
+                </a:spcAft>
+                <a:buClr>
+                  <a:srgbClr val="000000"/>
+                </a:buClr>
+                <a:buSzPts val="1400"/>
+                <a:buNone/>
+              </a:pPr>
               <a:t>8</a:t>
             </a:fld>
             <a:endParaRPr/>
@@ -1279,8 +1269,8 @@
         </p:nvSpPr>
         <p:spPr>
           <a:xfrm>
-            <a:off x="654050" y="650875"/>
-            <a:ext cx="5797550" cy="3260725"/>
+            <a:off x="703263" y="668338"/>
+            <a:ext cx="5953125" cy="3348037"/>
           </a:xfrm>
           <a:custGeom>
             <a:avLst/>
@@ -1330,8 +1320,8 @@
         </p:nvSpPr>
         <p:spPr>
           <a:xfrm>
-            <a:off x="945309" y="4128013"/>
-            <a:ext cx="5196000" cy="3908100"/>
+            <a:off x="979007" y="4238380"/>
+            <a:ext cx="5381228" cy="4012587"/>
           </a:xfrm>
           <a:prstGeom prst="rect">
             <a:avLst/>
@@ -1342,15 +1332,48 @@
           </a:ln>
         </p:spPr>
         <p:txBody>
-          <a:bodyPr spcFirstLastPara="1" wrap="square" lIns="89200" tIns="44575" rIns="89200" bIns="44575" anchor="t" anchorCtr="0">
+          <a:bodyPr spcFirstLastPara="1" wrap="square" lIns="91921" tIns="45935" rIns="91921" bIns="45935" anchor="t" anchorCtr="0">
             <a:noAutofit/>
           </a:bodyPr>
           <a:lstStyle/>
           <a:p>
-            <a:pPr marL="0" lvl="0" indent="0" algn="l" rtl="0">
-              <a:lnSpc>
-                <a:spcPct val="100000"/>
-              </a:lnSpc>
+            <a:pPr>
+              <a:buSzPts val="1400"/>
+            </a:pPr>
+            <a:endParaRPr/>
+          </a:p>
+        </p:txBody>
+      </p:sp>
+      <p:sp>
+        <p:nvSpPr>
+          <p:cNvPr id="218" name="Google Shape;218;g1fc0ecd54a9_1_124:notes"/>
+          <p:cNvSpPr txBox="1">
+            <a:spLocks noGrp="1"/>
+          </p:cNvSpPr>
+          <p:nvPr>
+            <p:ph type="sldNum" idx="12"/>
+          </p:nvPr>
+        </p:nvSpPr>
+        <p:spPr>
+          <a:xfrm>
+            <a:off x="4159116" y="8473709"/>
+            <a:ext cx="3179958" cy="445398"/>
+          </a:xfrm>
+          <a:prstGeom prst="rect">
+            <a:avLst/>
+          </a:prstGeom>
+          <a:noFill/>
+          <a:ln>
+            <a:noFill/>
+          </a:ln>
+        </p:spPr>
+        <p:txBody>
+          <a:bodyPr spcFirstLastPara="1" wrap="square" lIns="91921" tIns="45935" rIns="91921" bIns="45935" anchor="b" anchorCtr="0">
+            <a:noAutofit/>
+          </a:bodyPr>
+          <a:lstStyle/>
+          <a:p>
+            <a:pPr>
               <a:spcBef>
                 <a:spcPts val="0"/>
               </a:spcBef>
@@ -1360,54 +1383,18 @@
               <a:buSzPts val="1400"/>
               <a:buNone/>
             </a:pPr>
-            <a:endParaRPr/>
-          </a:p>
-        </p:txBody>
-      </p:sp>
-      <p:sp>
-        <p:nvSpPr>
-          <p:cNvPr id="218" name="Google Shape;218;g1fc0ecd54a9_1_124:notes"/>
-          <p:cNvSpPr txBox="1">
-            <a:spLocks noGrp="1"/>
-          </p:cNvSpPr>
-          <p:nvPr>
-            <p:ph type="sldNum" idx="12"/>
-          </p:nvPr>
-        </p:nvSpPr>
-        <p:spPr>
-          <a:xfrm>
-            <a:off x="4015955" y="8253054"/>
-            <a:ext cx="3070500" cy="433800"/>
-          </a:xfrm>
-          <a:prstGeom prst="rect">
-            <a:avLst/>
-          </a:prstGeom>
-          <a:noFill/>
-          <a:ln>
-            <a:noFill/>
-          </a:ln>
-        </p:spPr>
-        <p:txBody>
-          <a:bodyPr spcFirstLastPara="1" wrap="square" lIns="89200" tIns="44575" rIns="89200" bIns="44575" anchor="b" anchorCtr="0">
-            <a:noAutofit/>
-          </a:bodyPr>
-          <a:lstStyle/>
-          <a:p>
-            <a:pPr marL="0" lvl="0" indent="0" algn="r" rtl="0">
-              <a:lnSpc>
-                <a:spcPct val="100000"/>
-              </a:lnSpc>
-              <a:spcBef>
-                <a:spcPts val="0"/>
-              </a:spcBef>
-              <a:spcAft>
-                <a:spcPts val="0"/>
-              </a:spcAft>
-              <a:buSzPts val="1400"/>
-              <a:buNone/>
-            </a:pPr>
             <a:fld id="{00000000-1234-1234-1234-123412341234}" type="slidenum">
               <a:rPr lang="en-US"/>
+              <a:pPr>
+                <a:spcBef>
+                  <a:spcPts val="0"/>
+                </a:spcBef>
+                <a:spcAft>
+                  <a:spcPts val="0"/>
+                </a:spcAft>
+                <a:buSzPts val="1400"/>
+                <a:buNone/>
+              </a:pPr>
               <a:t>9</a:t>
             </a:fld>
             <a:endParaRPr/>
@@ -1451,8 +1438,8 @@
         </p:nvSpPr>
         <p:spPr>
           <a:xfrm>
-            <a:off x="654050" y="650875"/>
-            <a:ext cx="5797550" cy="3260725"/>
+            <a:off x="703263" y="668338"/>
+            <a:ext cx="5953125" cy="3348037"/>
           </a:xfrm>
           <a:custGeom>
             <a:avLst/>
@@ -1502,8 +1489,8 @@
         </p:nvSpPr>
         <p:spPr>
           <a:xfrm>
-            <a:off x="945309" y="4128013"/>
-            <a:ext cx="5195983" cy="3908169"/>
+            <a:off x="979008" y="4238381"/>
+            <a:ext cx="5381210" cy="4012658"/>
           </a:xfrm>
           <a:prstGeom prst="rect">
             <a:avLst/>
@@ -1514,23 +1501,16 @@
           </a:ln>
         </p:spPr>
         <p:txBody>
-          <a:bodyPr spcFirstLastPara="1" wrap="square" lIns="89200" tIns="44575" rIns="89200" bIns="44575" anchor="t" anchorCtr="0">
+          <a:bodyPr spcFirstLastPara="1" wrap="square" lIns="91921" tIns="45935" rIns="91921" bIns="45935" anchor="t" anchorCtr="0">
             <a:noAutofit/>
           </a:bodyPr>
           <a:lstStyle/>
           <a:p>
-            <a:pPr marL="457200" marR="0" lvl="0" indent="-228600" algn="l" rtl="0">
-              <a:lnSpc>
-                <a:spcPct val="100000"/>
-              </a:lnSpc>
+            <a:pPr marL="471145" indent="-235572">
               <a:spcBef>
-                <a:spcPts val="360"/>
+                <a:spcPts val="371"/>
               </a:spcBef>
-              <a:spcAft>
-                <a:spcPts val="0"/>
-              </a:spcAft>
               <a:buSzPts val="1400"/>
-              <a:buNone/>
             </a:pPr>
             <a:endParaRPr/>
           </a:p>
@@ -1548,8 +1528,8 @@
         </p:nvSpPr>
         <p:spPr>
           <a:xfrm>
-            <a:off x="4015955" y="8253054"/>
-            <a:ext cx="3070646" cy="433746"/>
+            <a:off x="4159116" y="8473708"/>
+            <a:ext cx="3180109" cy="445343"/>
           </a:xfrm>
           <a:prstGeom prst="rect">
             <a:avLst/>
@@ -1560,15 +1540,12 @@
           </a:ln>
         </p:spPr>
         <p:txBody>
-          <a:bodyPr spcFirstLastPara="1" wrap="square" lIns="89200" tIns="44575" rIns="89200" bIns="44575" anchor="b" anchorCtr="0">
+          <a:bodyPr spcFirstLastPara="1" wrap="square" lIns="91921" tIns="45935" rIns="91921" bIns="45935" anchor="b" anchorCtr="0">
             <a:noAutofit/>
           </a:bodyPr>
           <a:lstStyle/>
           <a:p>
-            <a:pPr marL="0" marR="0" lvl="0" indent="0" algn="r" rtl="0">
-              <a:lnSpc>
-                <a:spcPct val="100000"/>
-              </a:lnSpc>
+            <a:pPr>
               <a:spcBef>
                 <a:spcPts val="0"/>
               </a:spcBef>
@@ -1579,7 +1556,7 @@
               <a:buNone/>
             </a:pPr>
             <a:fld id="{00000000-1234-1234-1234-123412341234}" type="slidenum">
-              <a:rPr lang="en-US" sz="1200" b="0" i="0" u="none" strike="noStrike" cap="none">
+              <a:rPr lang="en-US">
                 <a:solidFill>
                   <a:schemeClr val="dk1"/>
                 </a:solidFill>
@@ -1588,9 +1565,19 @@
                 <a:cs typeface="Times New Roman"/>
                 <a:sym typeface="Times New Roman"/>
               </a:rPr>
+              <a:pPr>
+                <a:spcBef>
+                  <a:spcPts val="0"/>
+                </a:spcBef>
+                <a:spcAft>
+                  <a:spcPts val="0"/>
+                </a:spcAft>
+                <a:buSzPts val="1200"/>
+                <a:buNone/>
+              </a:pPr>
               <a:t>10</a:t>
             </a:fld>
-            <a:endParaRPr sz="1200" b="0" i="0" u="none" strike="noStrike" cap="none">
+            <a:endParaRPr>
               <a:solidFill>
                 <a:schemeClr val="dk1"/>
               </a:solidFill>
@@ -1639,8 +1626,8 @@
         </p:nvSpPr>
         <p:spPr>
           <a:xfrm>
-            <a:off x="654050" y="650875"/>
-            <a:ext cx="5797550" cy="3260725"/>
+            <a:off x="703263" y="668338"/>
+            <a:ext cx="5953125" cy="3348037"/>
           </a:xfrm>
           <a:custGeom>
             <a:avLst/>
@@ -1680,27 +1667,23 @@
         </p:nvSpPr>
         <p:spPr>
           <a:xfrm>
-            <a:off x="945309" y="4128013"/>
-            <a:ext cx="5196000" cy="3908100"/>
+            <a:off x="979007" y="4238380"/>
+            <a:ext cx="5381228" cy="4012587"/>
           </a:xfrm>
           <a:prstGeom prst="rect">
             <a:avLst/>
           </a:prstGeom>
         </p:spPr>
         <p:txBody>
-          <a:bodyPr spcFirstLastPara="1" wrap="square" lIns="89200" tIns="44575" rIns="89200" bIns="44575" anchor="t" anchorCtr="0">
+          <a:bodyPr spcFirstLastPara="1" wrap="square" lIns="91921" tIns="45935" rIns="91921" bIns="45935" anchor="t" anchorCtr="0">
             <a:noAutofit/>
           </a:bodyPr>
           <a:lstStyle/>
           <a:p>
-            <a:pPr marL="0" lvl="0" indent="0" algn="l" rtl="0">
+            <a:pPr>
               <a:spcBef>
-                <a:spcPts val="360"/>
+                <a:spcPts val="371"/>
               </a:spcBef>
-              <a:spcAft>
-                <a:spcPts val="0"/>
-              </a:spcAft>
-              <a:buNone/>
             </a:pPr>
             <a:endParaRPr/>
           </a:p>
@@ -1718,20 +1701,20 @@
         </p:nvSpPr>
         <p:spPr>
           <a:xfrm>
-            <a:off x="4015955" y="8253054"/>
-            <a:ext cx="3070500" cy="433800"/>
+            <a:off x="4159116" y="8473709"/>
+            <a:ext cx="3179958" cy="445398"/>
           </a:xfrm>
           <a:prstGeom prst="rect">
             <a:avLst/>
           </a:prstGeom>
         </p:spPr>
         <p:txBody>
-          <a:bodyPr spcFirstLastPara="1" wrap="square" lIns="89200" tIns="44575" rIns="89200" bIns="44575" anchor="b" anchorCtr="0">
+          <a:bodyPr spcFirstLastPara="1" wrap="square" lIns="91921" tIns="45935" rIns="91921" bIns="45935" anchor="b" anchorCtr="0">
             <a:noAutofit/>
           </a:bodyPr>
           <a:lstStyle/>
           <a:p>
-            <a:pPr marL="0" lvl="0" indent="0" algn="r" rtl="0">
+            <a:pPr>
               <a:spcBef>
                 <a:spcPts val="0"/>
               </a:spcBef>
@@ -1741,11 +1724,22 @@
               <a:buClr>
                 <a:srgbClr val="000000"/>
               </a:buClr>
-              <a:buFont typeface="Arial"/>
               <a:buNone/>
             </a:pPr>
             <a:fld id="{00000000-1234-1234-1234-123412341234}" type="slidenum">
               <a:rPr lang="en-US"/>
+              <a:pPr>
+                <a:spcBef>
+                  <a:spcPts val="0"/>
+                </a:spcBef>
+                <a:spcAft>
+                  <a:spcPts val="0"/>
+                </a:spcAft>
+                <a:buClr>
+                  <a:srgbClr val="000000"/>
+                </a:buClr>
+                <a:buNone/>
+              </a:pPr>
               <a:t>20</a:t>
             </a:fld>
             <a:endParaRPr/>
@@ -19574,31 +19568,6 @@
           </a:p>
         </p:txBody>
       </p:sp>
-      <p:sp>
-        <p:nvSpPr>
-          <p:cNvPr id="3" name="Content Placeholder 2">
-            <a:extLst>
-              <a:ext uri="{FF2B5EF4-FFF2-40B4-BE49-F238E27FC236}">
-                <a16:creationId xmlns:a16="http://schemas.microsoft.com/office/drawing/2014/main" id="{F75D6A72-ECDA-D7DE-AC78-4D4467676AA8}"/>
-              </a:ext>
-            </a:extLst>
-          </p:cNvPr>
-          <p:cNvSpPr>
-            <a:spLocks noGrp="1"/>
-          </p:cNvSpPr>
-          <p:nvPr>
-            <p:ph idx="1"/>
-          </p:nvPr>
-        </p:nvSpPr>
-        <p:spPr/>
-        <p:txBody>
-          <a:bodyPr/>
-          <a:lstStyle/>
-          <a:p>
-            <a:endParaRPr lang="en-US"/>
-          </a:p>
-        </p:txBody>
-      </p:sp>
       <p:pic>
         <p:nvPicPr>
           <p:cNvPr id="5" name="Picture 4">
@@ -19621,8 +19590,38 @@
         </p:blipFill>
         <p:spPr>
           <a:xfrm>
-            <a:off x="299884" y="2281084"/>
-            <a:ext cx="7020232" cy="4277032"/>
+            <a:off x="87281" y="2108200"/>
+            <a:ext cx="5440680" cy="3314700"/>
+          </a:xfrm>
+          <a:prstGeom prst="rect">
+            <a:avLst/>
+          </a:prstGeom>
+        </p:spPr>
+      </p:pic>
+      <p:pic>
+        <p:nvPicPr>
+          <p:cNvPr id="6" name="Picture 5">
+            <a:extLst>
+              <a:ext uri="{FF2B5EF4-FFF2-40B4-BE49-F238E27FC236}">
+                <a16:creationId xmlns:a16="http://schemas.microsoft.com/office/drawing/2014/main" id="{F8AF87A9-D81B-0274-04F8-6A632CF667E5}"/>
+              </a:ext>
+            </a:extLst>
+          </p:cNvPr>
+          <p:cNvPicPr>
+            <a:picLocks noChangeAspect="1"/>
+          </p:cNvPicPr>
+          <p:nvPr/>
+        </p:nvPicPr>
+        <p:blipFill>
+          <a:blip r:embed="rId3"/>
+          <a:stretch>
+            <a:fillRect/>
+          </a:stretch>
+        </p:blipFill>
+        <p:spPr>
+          <a:xfrm>
+            <a:off x="5718223" y="1478116"/>
+            <a:ext cx="6224693" cy="5080000"/>
           </a:xfrm>
           <a:prstGeom prst="rect">
             <a:avLst/>
@@ -19633,6 +19632,249 @@
     <p:extLst>
       <p:ext uri="{BB962C8B-B14F-4D97-AF65-F5344CB8AC3E}">
         <p14:creationId xmlns:p14="http://schemas.microsoft.com/office/powerpoint/2010/main" val="442758172"/>
+      </p:ext>
+    </p:extLst>
+  </p:cSld>
+  <p:clrMapOvr>
+    <a:masterClrMapping/>
+  </p:clrMapOvr>
+  <p:transition advClick="0">
+    <p:wipe dir="r"/>
+  </p:transition>
+</p:sld>
+</file>
+
+<file path=ppt/slides/slide24.xml><?xml version="1.0" encoding="utf-8"?>
+<p:sld xmlns:a="http://schemas.openxmlformats.org/drawingml/2006/main" xmlns:r="http://schemas.openxmlformats.org/officeDocument/2006/relationships" xmlns:p="http://schemas.openxmlformats.org/presentationml/2006/main">
+  <p:cSld>
+    <p:spTree>
+      <p:nvGrpSpPr>
+        <p:cNvPr id="1" name=""/>
+        <p:cNvGrpSpPr/>
+        <p:nvPr/>
+      </p:nvGrpSpPr>
+      <p:grpSpPr>
+        <a:xfrm>
+          <a:off x="0" y="0"/>
+          <a:ext cx="0" cy="0"/>
+          <a:chOff x="0" y="0"/>
+          <a:chExt cx="0" cy="0"/>
+        </a:xfrm>
+      </p:grpSpPr>
+      <p:sp>
+        <p:nvSpPr>
+          <p:cNvPr id="2" name="Title 1">
+            <a:extLst>
+              <a:ext uri="{FF2B5EF4-FFF2-40B4-BE49-F238E27FC236}">
+                <a16:creationId xmlns:a16="http://schemas.microsoft.com/office/drawing/2014/main" id="{1FCBE526-1E16-1BC2-00FD-E9CAEAD2D9F7}"/>
+              </a:ext>
+            </a:extLst>
+          </p:cNvPr>
+          <p:cNvSpPr>
+            <a:spLocks noGrp="1"/>
+          </p:cNvSpPr>
+          <p:nvPr>
+            <p:ph type="title"/>
+          </p:nvPr>
+        </p:nvSpPr>
+        <p:spPr/>
+        <p:txBody>
+          <a:bodyPr/>
+          <a:lstStyle/>
+          <a:p>
+            <a:r>
+              <a:rPr lang="en-US" dirty="0"/>
+              <a:t>Visualizing the Problem</a:t>
+            </a:r>
+          </a:p>
+        </p:txBody>
+      </p:sp>
+      <p:pic>
+        <p:nvPicPr>
+          <p:cNvPr id="7" name="Picture 6">
+            <a:extLst>
+              <a:ext uri="{FF2B5EF4-FFF2-40B4-BE49-F238E27FC236}">
+                <a16:creationId xmlns:a16="http://schemas.microsoft.com/office/drawing/2014/main" id="{06ED3FE2-2BE9-DED1-C72C-5DF4DBB7F200}"/>
+              </a:ext>
+            </a:extLst>
+          </p:cNvPr>
+          <p:cNvPicPr>
+            <a:picLocks noChangeAspect="1"/>
+          </p:cNvPicPr>
+          <p:nvPr/>
+        </p:nvPicPr>
+        <p:blipFill>
+          <a:blip r:embed="rId2"/>
+          <a:stretch>
+            <a:fillRect/>
+          </a:stretch>
+        </p:blipFill>
+        <p:spPr>
+          <a:xfrm>
+            <a:off x="170559" y="1846384"/>
+            <a:ext cx="5925441" cy="4200436"/>
+          </a:xfrm>
+          <a:prstGeom prst="rect">
+            <a:avLst/>
+          </a:prstGeom>
+        </p:spPr>
+      </p:pic>
+      <p:pic>
+        <p:nvPicPr>
+          <p:cNvPr id="6" name="Content Placeholder 4">
+            <a:extLst>
+              <a:ext uri="{FF2B5EF4-FFF2-40B4-BE49-F238E27FC236}">
+                <a16:creationId xmlns:a16="http://schemas.microsoft.com/office/drawing/2014/main" id="{90CF2765-11A5-36F2-15A9-45373DB25101}"/>
+              </a:ext>
+            </a:extLst>
+          </p:cNvPr>
+          <p:cNvPicPr>
+            <a:picLocks noGrp="1" noChangeAspect="1"/>
+          </p:cNvPicPr>
+          <p:nvPr>
+            <p:ph idx="1"/>
+          </p:nvPr>
+        </p:nvPicPr>
+        <p:blipFill>
+          <a:blip r:embed="rId3"/>
+          <a:stretch>
+            <a:fillRect/>
+          </a:stretch>
+        </p:blipFill>
+        <p:spPr>
+          <a:xfrm>
+            <a:off x="6253087" y="1650287"/>
+            <a:ext cx="5622390" cy="4592629"/>
+          </a:xfrm>
+          <a:prstGeom prst="rect">
+            <a:avLst/>
+          </a:prstGeom>
+        </p:spPr>
+      </p:pic>
+    </p:spTree>
+    <p:extLst>
+      <p:ext uri="{BB962C8B-B14F-4D97-AF65-F5344CB8AC3E}">
+        <p14:creationId xmlns:p14="http://schemas.microsoft.com/office/powerpoint/2010/main" val="3479937811"/>
+      </p:ext>
+    </p:extLst>
+  </p:cSld>
+  <p:clrMapOvr>
+    <a:masterClrMapping/>
+  </p:clrMapOvr>
+  <p:transition advClick="0">
+    <p:wipe dir="r"/>
+  </p:transition>
+</p:sld>
+</file>
+
+<file path=ppt/slides/slide25.xml><?xml version="1.0" encoding="utf-8"?>
+<p:sld xmlns:a="http://schemas.openxmlformats.org/drawingml/2006/main" xmlns:r="http://schemas.openxmlformats.org/officeDocument/2006/relationships" xmlns:p="http://schemas.openxmlformats.org/presentationml/2006/main">
+  <p:cSld>
+    <p:spTree>
+      <p:nvGrpSpPr>
+        <p:cNvPr id="1" name=""/>
+        <p:cNvGrpSpPr/>
+        <p:nvPr/>
+      </p:nvGrpSpPr>
+      <p:grpSpPr>
+        <a:xfrm>
+          <a:off x="0" y="0"/>
+          <a:ext cx="0" cy="0"/>
+          <a:chOff x="0" y="0"/>
+          <a:chExt cx="0" cy="0"/>
+        </a:xfrm>
+      </p:grpSpPr>
+      <p:sp>
+        <p:nvSpPr>
+          <p:cNvPr id="2" name="Title 1">
+            <a:extLst>
+              <a:ext uri="{FF2B5EF4-FFF2-40B4-BE49-F238E27FC236}">
+                <a16:creationId xmlns:a16="http://schemas.microsoft.com/office/drawing/2014/main" id="{E29C422F-22F0-460C-3A30-2CD7D068E70A}"/>
+              </a:ext>
+            </a:extLst>
+          </p:cNvPr>
+          <p:cNvSpPr>
+            <a:spLocks noGrp="1"/>
+          </p:cNvSpPr>
+          <p:nvPr>
+            <p:ph type="title"/>
+          </p:nvPr>
+        </p:nvSpPr>
+        <p:spPr/>
+        <p:txBody>
+          <a:bodyPr/>
+          <a:lstStyle/>
+          <a:p>
+            <a:endParaRPr lang="en-US"/>
+          </a:p>
+        </p:txBody>
+      </p:sp>
+      <p:pic>
+        <p:nvPicPr>
+          <p:cNvPr id="5" name="Content Placeholder 4">
+            <a:extLst>
+              <a:ext uri="{FF2B5EF4-FFF2-40B4-BE49-F238E27FC236}">
+                <a16:creationId xmlns:a16="http://schemas.microsoft.com/office/drawing/2014/main" id="{CE0588CC-B732-3648-1FAC-AD56663700F7}"/>
+              </a:ext>
+            </a:extLst>
+          </p:cNvPr>
+          <p:cNvPicPr>
+            <a:picLocks noGrp="1" noChangeAspect="1"/>
+          </p:cNvPicPr>
+          <p:nvPr>
+            <p:ph idx="1"/>
+          </p:nvPr>
+        </p:nvPicPr>
+        <p:blipFill>
+          <a:blip r:embed="rId2"/>
+          <a:stretch>
+            <a:fillRect/>
+          </a:stretch>
+        </p:blipFill>
+        <p:spPr>
+          <a:xfrm>
+            <a:off x="1063286" y="2162619"/>
+            <a:ext cx="5166079" cy="4219893"/>
+          </a:xfrm>
+          <a:prstGeom prst="rect">
+            <a:avLst/>
+          </a:prstGeom>
+        </p:spPr>
+      </p:pic>
+      <p:pic>
+        <p:nvPicPr>
+          <p:cNvPr id="7" name="Picture 6">
+            <a:extLst>
+              <a:ext uri="{FF2B5EF4-FFF2-40B4-BE49-F238E27FC236}">
+                <a16:creationId xmlns:a16="http://schemas.microsoft.com/office/drawing/2014/main" id="{F91497A8-CC72-A4D9-D22D-F770D08CF7BB}"/>
+              </a:ext>
+            </a:extLst>
+          </p:cNvPr>
+          <p:cNvPicPr>
+            <a:picLocks noChangeAspect="1"/>
+          </p:cNvPicPr>
+          <p:nvPr/>
+        </p:nvPicPr>
+        <p:blipFill>
+          <a:blip r:embed="rId3"/>
+          <a:stretch>
+            <a:fillRect/>
+          </a:stretch>
+        </p:blipFill>
+        <p:spPr>
+          <a:xfrm>
+            <a:off x="6532659" y="2273808"/>
+            <a:ext cx="5659341" cy="2850070"/>
+          </a:xfrm>
+          <a:prstGeom prst="rect">
+            <a:avLst/>
+          </a:prstGeom>
+        </p:spPr>
+      </p:pic>
+    </p:spTree>
+    <p:extLst>
+      <p:ext uri="{BB962C8B-B14F-4D97-AF65-F5344CB8AC3E}">
+        <p14:creationId xmlns:p14="http://schemas.microsoft.com/office/powerpoint/2010/main" val="324572070"/>
       </p:ext>
     </p:extLst>
   </p:cSld>
